--- a/final-video.pptx
+++ b/final-video.pptx
@@ -5,8 +5,8 @@
     <p:sldMasterId id="2147483648" r:id="rId2"/>
     <p:sldMasterId id="2147483650" r:id="rId3"/>
     <p:sldMasterId id="2147483652" r:id="rId4"/>
-    <p:sldMasterId id="2147483655" r:id="rId5"/>
-    <p:sldMasterId id="2147483657" r:id="rId6"/>
+    <p:sldMasterId id="2147483654" r:id="rId5"/>
+    <p:sldMasterId id="2147483656" r:id="rId6"/>
   </p:sldMasterIdLst>
   <p:sldIdLst>
     <p:sldId id="256" r:id="rId7"/>
@@ -23,7 +23,7 @@
 </file>
 
 <file path=ppt/slideLayouts/slideLayout1.xml><?xml version="1.0" encoding="utf-8"?>
-<p:sldLayout xmlns:a="http://schemas.openxmlformats.org/drawingml/2006/main" xmlns:p="http://schemas.openxmlformats.org/presentationml/2006/main" xmlns:r="http://schemas.openxmlformats.org/officeDocument/2006/relationships" xmlns:p14="http://schemas.microsoft.com/office/powerpoint/2010/main" xmlns:p15="http://schemas.microsoft.com/office/powerpoint/2012/main" xmlns:mc="http://schemas.openxmlformats.org/markup-compatibility/2006" type="tx" preserve="1">
+<p:sldLayout xmlns:a="http://schemas.openxmlformats.org/drawingml/2006/main" xmlns:p="http://schemas.openxmlformats.org/presentationml/2006/main" xmlns:r="http://schemas.openxmlformats.org/officeDocument/2006/relationships" xmlns:p14="http://schemas.microsoft.com/office/powerpoint/2010/main" xmlns:p15="http://schemas.microsoft.com/office/powerpoint/2012/main" xmlns:mc="http://schemas.openxmlformats.org/markup-compatibility/2006" type="title" preserve="1">
   <p:cSld name="Default">
     <p:spTree>
       <p:nvGrpSpPr>
@@ -86,13 +86,13 @@
             <a:spLocks noGrp="1"/>
           </p:cNvSpPr>
           <p:nvPr>
-            <p:ph/>
+            <p:ph type="subTitle"/>
           </p:nvPr>
         </p:nvSpPr>
         <p:spPr>
           <a:xfrm>
-            <a:off x="360000" y="2880360"/>
-            <a:ext cx="9360720" cy="2062440"/>
+            <a:off x="504000" y="1326600"/>
+            <a:ext cx="9072000" cy="3288600"/>
           </a:xfrm>
           <a:prstGeom prst="rect">
             <a:avLst/>
@@ -103,20 +103,20 @@
           </a:ln>
         </p:spPr>
         <p:txBody>
-          <a:bodyPr lIns="0" rIns="0" tIns="0" bIns="0" anchor="t">
-            <a:normAutofit/>
+          <a:bodyPr lIns="0" rIns="0" tIns="0" bIns="0" anchor="ctr">
+            <a:noAutofit/>
           </a:bodyPr>
           <a:p>
-            <a:pPr indent="0">
-              <a:spcBef>
-                <a:spcPts val="1060"/>
-              </a:spcBef>
+            <a:pPr indent="0" algn="ctr">
               <a:buNone/>
             </a:pPr>
-            <a:endParaRPr b="0" lang="en-US" sz="2400" spc="-1" strike="noStrike">
-              <a:solidFill>
-                <a:srgbClr val="009bdd"/>
-              </a:solidFill>
+            <a:endParaRPr b="0" lang="en-US" sz="3200" spc="-1" strike="noStrike">
+              <a:solidFill>
+                <a:srgbClr val="000000"/>
+              </a:solidFill>
+              <a:highlight>
+                <a:srgbClr val="ffffff"/>
+              </a:highlight>
               <a:latin typeface="Arial"/>
             </a:endParaRPr>
           </a:p>
@@ -156,7 +156,7 @@
         <p:txBody>
           <a:bodyPr/>
           <a:p>
-            <a:fld id="{75CEBD26-4CC7-4273-AAF8-74939D8402F1}" type="slidenum">
+            <a:fld id="{4559C3D7-0AD1-44A2-920E-69FE45FB82CA}" type="slidenum">
               <a:t>&lt;#&gt;</a:t>
             </a:fld>
           </a:p>
@@ -189,7 +189,7 @@
 </file>
 
 <file path=ppt/slideLayouts/slideLayout2.xml><?xml version="1.0" encoding="utf-8"?>
-<p:sldLayout xmlns:a="http://schemas.openxmlformats.org/drawingml/2006/main" xmlns:p="http://schemas.openxmlformats.org/presentationml/2006/main" xmlns:r="http://schemas.openxmlformats.org/officeDocument/2006/relationships" xmlns:p14="http://schemas.microsoft.com/office/powerpoint/2010/main" xmlns:p15="http://schemas.microsoft.com/office/powerpoint/2012/main" xmlns:mc="http://schemas.openxmlformats.org/markup-compatibility/2006" type="blank" preserve="1">
+<p:sldLayout xmlns:a="http://schemas.openxmlformats.org/drawingml/2006/main" xmlns:p="http://schemas.openxmlformats.org/presentationml/2006/main" xmlns:r="http://schemas.openxmlformats.org/officeDocument/2006/relationships" xmlns:p14="http://schemas.microsoft.com/office/powerpoint/2010/main" xmlns:p15="http://schemas.microsoft.com/office/powerpoint/2012/main" xmlns:mc="http://schemas.openxmlformats.org/markup-compatibility/2006" type="title" preserve="1">
   <p:cSld name="Default 1">
     <p:spTree>
       <p:nvGrpSpPr>
@@ -207,7 +207,90 @@
       </p:grpSpPr>
       <p:sp>
         <p:nvSpPr>
-          <p:cNvPr id="2" name="PlaceHolder 1"/>
+          <p:cNvPr id="12" name="PlaceHolder 1"/>
+          <p:cNvSpPr>
+            <a:spLocks noGrp="1"/>
+          </p:cNvSpPr>
+          <p:nvPr>
+            <p:ph type="title"/>
+          </p:nvPr>
+        </p:nvSpPr>
+        <p:spPr>
+          <a:xfrm>
+            <a:off x="0" y="1620000"/>
+            <a:ext cx="9000720" cy="1080000"/>
+          </a:xfrm>
+          <a:prstGeom prst="rect">
+            <a:avLst/>
+          </a:prstGeom>
+          <a:noFill/>
+          <a:ln w="0">
+            <a:noFill/>
+          </a:ln>
+        </p:spPr>
+        <p:txBody>
+          <a:bodyPr lIns="0" rIns="0" tIns="0" bIns="0" anchor="ctr">
+            <a:noAutofit/>
+          </a:bodyPr>
+          <a:p>
+            <a:pPr indent="0" algn="ctr">
+              <a:buNone/>
+            </a:pPr>
+            <a:endParaRPr b="0" lang="en-US" sz="3300" spc="-1" strike="noStrike">
+              <a:solidFill>
+                <a:srgbClr val="dd4100"/>
+              </a:solidFill>
+              <a:latin typeface="Arial"/>
+            </a:endParaRPr>
+          </a:p>
+        </p:txBody>
+      </p:sp>
+      <p:sp>
+        <p:nvSpPr>
+          <p:cNvPr id="13" name="PlaceHolder 2"/>
+          <p:cNvSpPr>
+            <a:spLocks noGrp="1"/>
+          </p:cNvSpPr>
+          <p:nvPr>
+            <p:ph type="subTitle"/>
+          </p:nvPr>
+        </p:nvSpPr>
+        <p:spPr>
+          <a:xfrm>
+            <a:off x="504000" y="1326600"/>
+            <a:ext cx="9072000" cy="3288600"/>
+          </a:xfrm>
+          <a:prstGeom prst="rect">
+            <a:avLst/>
+          </a:prstGeom>
+          <a:noFill/>
+          <a:ln w="0">
+            <a:noFill/>
+          </a:ln>
+        </p:spPr>
+        <p:txBody>
+          <a:bodyPr lIns="0" rIns="0" tIns="0" bIns="0" anchor="ctr">
+            <a:noAutofit/>
+          </a:bodyPr>
+          <a:p>
+            <a:pPr indent="0" algn="ctr">
+              <a:buNone/>
+            </a:pPr>
+            <a:endParaRPr b="0" lang="en-US" sz="3200" spc="-1" strike="noStrike">
+              <a:solidFill>
+                <a:srgbClr val="000000"/>
+              </a:solidFill>
+              <a:highlight>
+                <a:srgbClr val="ffffff"/>
+              </a:highlight>
+              <a:latin typeface="Arial"/>
+            </a:endParaRPr>
+          </a:p>
+        </p:txBody>
+      </p:sp>
+      <p:sp>
+        <p:nvSpPr>
+          <p:cNvPr id="4" name="PlaceHolder 3"/>
           <p:cNvSpPr>
             <a:spLocks noGrp="1"/>
           </p:cNvSpPr>
@@ -227,7 +310,7 @@
       </p:sp>
       <p:sp>
         <p:nvSpPr>
-          <p:cNvPr id="3" name="PlaceHolder 2"/>
+          <p:cNvPr id="5" name="PlaceHolder 4"/>
           <p:cNvSpPr>
             <a:spLocks noGrp="1"/>
           </p:cNvSpPr>
@@ -239,7 +322,7 @@
         <p:txBody>
           <a:bodyPr/>
           <a:p>
-            <a:fld id="{3F09E971-F78C-453F-85E8-44E91C25A9A8}" type="slidenum">
+            <a:fld id="{B2271713-2665-44CD-8A15-C3B685F8B44C}" type="slidenum">
               <a:t>&lt;#&gt;</a:t>
             </a:fld>
           </a:p>
@@ -247,7 +330,7 @@
       </p:sp>
       <p:sp>
         <p:nvSpPr>
-          <p:cNvPr id="4" name="PlaceHolder 3"/>
+          <p:cNvPr id="6" name="PlaceHolder 5"/>
           <p:cNvSpPr>
             <a:spLocks noGrp="1"/>
           </p:cNvSpPr>
@@ -272,89 +355,6 @@
 </file>
 
 <file path=ppt/slideLayouts/slideLayout3.xml><?xml version="1.0" encoding="utf-8"?>
-<p:sldLayout xmlns:a="http://schemas.openxmlformats.org/drawingml/2006/main" xmlns:p="http://schemas.openxmlformats.org/presentationml/2006/main" xmlns:r="http://schemas.openxmlformats.org/officeDocument/2006/relationships" xmlns:p14="http://schemas.microsoft.com/office/powerpoint/2010/main" xmlns:p15="http://schemas.microsoft.com/office/powerpoint/2012/main" xmlns:mc="http://schemas.openxmlformats.org/markup-compatibility/2006" type="mediaAndTx" preserve="1">
-  <p:cSld name="Default 2">
-    <p:spTree>
-      <p:nvGrpSpPr>
-        <p:cNvPr id="1" name=""/>
-        <p:cNvGrpSpPr/>
-        <p:nvPr/>
-      </p:nvGrpSpPr>
-      <p:grpSpPr>
-        <a:xfrm>
-          <a:off x="0" y="0"/>
-          <a:ext cx="0" cy="0"/>
-          <a:chOff x="0" y="0"/>
-          <a:chExt cx="0" cy="0"/>
-        </a:xfrm>
-      </p:grpSpPr>
-      <p:sp>
-        <p:nvSpPr>
-          <p:cNvPr id="2" name="PlaceHolder 1"/>
-          <p:cNvSpPr>
-            <a:spLocks noGrp="1"/>
-          </p:cNvSpPr>
-          <p:nvPr>
-            <p:ph type="ftr" idx="7"/>
-          </p:nvPr>
-        </p:nvSpPr>
-        <p:spPr/>
-        <p:txBody>
-          <a:bodyPr/>
-          <a:p>
-            <a:r>
-              <a:t>Footer</a:t>
-            </a:r>
-          </a:p>
-        </p:txBody>
-      </p:sp>
-      <p:sp>
-        <p:nvSpPr>
-          <p:cNvPr id="3" name="PlaceHolder 2"/>
-          <p:cNvSpPr>
-            <a:spLocks noGrp="1"/>
-          </p:cNvSpPr>
-          <p:nvPr>
-            <p:ph type="sldNum" idx="8"/>
-          </p:nvPr>
-        </p:nvSpPr>
-        <p:spPr/>
-        <p:txBody>
-          <a:bodyPr/>
-          <a:p>
-            <a:fld id="{A4250632-EEAD-4C10-A9FE-AD6D86F3F076}" type="slidenum">
-              <a:t>&lt;#&gt;</a:t>
-            </a:fld>
-          </a:p>
-        </p:txBody>
-      </p:sp>
-      <p:sp>
-        <p:nvSpPr>
-          <p:cNvPr id="4" name="PlaceHolder 3"/>
-          <p:cNvSpPr>
-            <a:spLocks noGrp="1"/>
-          </p:cNvSpPr>
-          <p:nvPr>
-            <p:ph type="dt" idx="9"/>
-          </p:nvPr>
-        </p:nvSpPr>
-        <p:spPr/>
-        <p:txBody>
-          <a:bodyPr/>
-          <a:p>
-            <a:r>
-              <a:rPr lang="en-US"/>
-              <a:t/>
-            </a:r>
-          </a:p>
-        </p:txBody>
-      </p:sp>
-    </p:spTree>
-  </p:cSld>
-</p:sldLayout>
-</file>
-
-<file path=ppt/slideLayouts/slideLayout4.xml><?xml version="1.0" encoding="utf-8"?>
 <p:sldLayout xmlns:a="http://schemas.openxmlformats.org/drawingml/2006/main" xmlns:p="http://schemas.openxmlformats.org/presentationml/2006/main" xmlns:r="http://schemas.openxmlformats.org/officeDocument/2006/relationships" xmlns:p14="http://schemas.microsoft.com/office/powerpoint/2010/main" xmlns:p15="http://schemas.microsoft.com/office/powerpoint/2012/main" xmlns:mc="http://schemas.openxmlformats.org/markup-compatibility/2006" type="title" preserve="1">
   <p:cSld name="Default 2">
     <p:spTree>
@@ -373,7 +373,7 @@
       </p:grpSpPr>
       <p:sp>
         <p:nvSpPr>
-          <p:cNvPr id="17" name="PlaceHolder 1"/>
+          <p:cNvPr id="19" name="PlaceHolder 1"/>
           <p:cNvSpPr>
             <a:spLocks noGrp="1"/>
           </p:cNvSpPr>
@@ -413,7 +413,7 @@
       </p:sp>
       <p:sp>
         <p:nvSpPr>
-          <p:cNvPr id="18" name="PlaceHolder 2"/>
+          <p:cNvPr id="20" name="PlaceHolder 2"/>
           <p:cNvSpPr>
             <a:spLocks noGrp="1"/>
           </p:cNvSpPr>
@@ -423,8 +423,8 @@
         </p:nvSpPr>
         <p:spPr>
           <a:xfrm>
-            <a:off x="360000" y="2880360"/>
-            <a:ext cx="9360720" cy="2062440"/>
+            <a:off x="504000" y="1326600"/>
+            <a:ext cx="9072000" cy="3288600"/>
           </a:xfrm>
           <a:prstGeom prst="rect">
             <a:avLst/>
@@ -488,7 +488,7 @@
         <p:txBody>
           <a:bodyPr/>
           <a:p>
-            <a:fld id="{C6AB2146-F066-422F-A0D8-3CFC021D398B}" type="slidenum">
+            <a:fld id="{C8F3A0ED-0F25-4612-B373-34FE8966D139}" type="slidenum">
               <a:t>&lt;#&gt;</a:t>
             </a:fld>
           </a:p>
@@ -520,7 +520,7 @@
 </p:sldLayout>
 </file>
 
-<file path=ppt/slideLayouts/slideLayout5.xml><?xml version="1.0" encoding="utf-8"?>
+<file path=ppt/slideLayouts/slideLayout4.xml><?xml version="1.0" encoding="utf-8"?>
 <p:sldLayout xmlns:a="http://schemas.openxmlformats.org/drawingml/2006/main" xmlns:p="http://schemas.openxmlformats.org/presentationml/2006/main" xmlns:r="http://schemas.openxmlformats.org/officeDocument/2006/relationships" xmlns:p14="http://schemas.microsoft.com/office/powerpoint/2010/main" xmlns:p15="http://schemas.microsoft.com/office/powerpoint/2012/main" xmlns:mc="http://schemas.openxmlformats.org/markup-compatibility/2006" type="title" preserve="1">
   <p:cSld name="Vivid">
     <p:spTree>
@@ -539,7 +539,7 @@
       </p:grpSpPr>
       <p:sp>
         <p:nvSpPr>
-          <p:cNvPr id="25" name="PlaceHolder 1"/>
+          <p:cNvPr id="28" name="PlaceHolder 1"/>
           <p:cNvSpPr>
             <a:spLocks noGrp="1"/>
           </p:cNvSpPr>
@@ -579,7 +579,7 @@
       </p:sp>
       <p:sp>
         <p:nvSpPr>
-          <p:cNvPr id="26" name="PlaceHolder 2"/>
+          <p:cNvPr id="29" name="PlaceHolder 2"/>
           <p:cNvSpPr>
             <a:spLocks noGrp="1"/>
           </p:cNvSpPr>
@@ -589,8 +589,8 @@
         </p:nvSpPr>
         <p:spPr>
           <a:xfrm>
-            <a:off x="360000" y="2880360"/>
-            <a:ext cx="9360720" cy="2062440"/>
+            <a:off x="504000" y="1326600"/>
+            <a:ext cx="9072000" cy="3288600"/>
           </a:xfrm>
           <a:prstGeom prst="rect">
             <a:avLst/>
@@ -654,7 +654,7 @@
         <p:txBody>
           <a:bodyPr/>
           <a:p>
-            <a:fld id="{A6733416-9DBE-413B-A64C-B4FA445D4622}" type="slidenum">
+            <a:fld id="{B55A65AF-0863-4E2E-895C-37C1FE589D25}" type="slidenum">
               <a:t>&lt;#&gt;</a:t>
             </a:fld>
           </a:p>
@@ -686,7 +686,7 @@
 </p:sldLayout>
 </file>
 
-<file path=ppt/slideLayouts/slideLayout6.xml><?xml version="1.0" encoding="utf-8"?>
+<file path=ppt/slideLayouts/slideLayout5.xml><?xml version="1.0" encoding="utf-8"?>
 <p:sldLayout xmlns:a="http://schemas.openxmlformats.org/drawingml/2006/main" xmlns:p="http://schemas.openxmlformats.org/presentationml/2006/main" xmlns:r="http://schemas.openxmlformats.org/officeDocument/2006/relationships" xmlns:p14="http://schemas.microsoft.com/office/powerpoint/2010/main" xmlns:p15="http://schemas.microsoft.com/office/powerpoint/2012/main" xmlns:mc="http://schemas.openxmlformats.org/markup-compatibility/2006" type="blank" preserve="1">
   <p:cSld name="Blue_Curve">
     <p:spTree>
@@ -737,7 +737,7 @@
         <p:txBody>
           <a:bodyPr/>
           <a:p>
-            <a:fld id="{931E4AE6-85CF-48FB-BD52-EAA227B99686}" type="slidenum">
+            <a:fld id="{0474B31F-FB77-4D8C-8FBF-D831958E809D}" type="slidenum">
               <a:t>&lt;#&gt;</a:t>
             </a:fld>
           </a:p>
@@ -769,7 +769,7 @@
 </p:sldLayout>
 </file>
 
-<file path=ppt/slideLayouts/slideLayout7.xml><?xml version="1.0" encoding="utf-8"?>
+<file path=ppt/slideLayouts/slideLayout6.xml><?xml version="1.0" encoding="utf-8"?>
 <p:sldLayout xmlns:a="http://schemas.openxmlformats.org/drawingml/2006/main" xmlns:p="http://schemas.openxmlformats.org/presentationml/2006/main" xmlns:r="http://schemas.openxmlformats.org/officeDocument/2006/relationships" xmlns:p14="http://schemas.microsoft.com/office/powerpoint/2010/main" xmlns:p15="http://schemas.microsoft.com/office/powerpoint/2012/main" xmlns:mc="http://schemas.openxmlformats.org/markup-compatibility/2006" type="title" preserve="1">
   <p:cSld name="Blue_Curve">
     <p:spTree>
@@ -788,7 +788,7 @@
       </p:grpSpPr>
       <p:sp>
         <p:nvSpPr>
-          <p:cNvPr id="33" name="PlaceHolder 1"/>
+          <p:cNvPr id="37" name="PlaceHolder 1"/>
           <p:cNvSpPr>
             <a:spLocks noGrp="1"/>
           </p:cNvSpPr>
@@ -828,7 +828,7 @@
       </p:sp>
       <p:sp>
         <p:nvSpPr>
-          <p:cNvPr id="34" name="PlaceHolder 2"/>
+          <p:cNvPr id="38" name="PlaceHolder 2"/>
           <p:cNvSpPr>
             <a:spLocks noGrp="1"/>
           </p:cNvSpPr>
@@ -838,8 +838,8 @@
         </p:nvSpPr>
         <p:spPr>
           <a:xfrm>
-            <a:off x="360000" y="2880360"/>
-            <a:ext cx="9360720" cy="2062440"/>
+            <a:off x="504000" y="1326600"/>
+            <a:ext cx="9072000" cy="3288600"/>
           </a:xfrm>
           <a:prstGeom prst="rect">
             <a:avLst/>
@@ -903,7 +903,7 @@
         <p:txBody>
           <a:bodyPr/>
           <a:p>
-            <a:fld id="{4DAE4FF6-2090-4865-8873-54C1D88CD6D3}" type="slidenum">
+            <a:fld id="{2E398967-4FA6-4A7D-86BE-10C97A4EAE8A}" type="slidenum">
               <a:t>&lt;#&gt;</a:t>
             </a:fld>
           </a:p>
@@ -935,7 +935,7 @@
 </p:sldLayout>
 </file>
 
-<file path=ppt/slideLayouts/slideLayout8.xml><?xml version="1.0" encoding="utf-8"?>
+<file path=ppt/slideLayouts/slideLayout7.xml><?xml version="1.0" encoding="utf-8"?>
 <p:sldLayout xmlns:a="http://schemas.openxmlformats.org/drawingml/2006/main" xmlns:p="http://schemas.openxmlformats.org/presentationml/2006/main" xmlns:r="http://schemas.openxmlformats.org/officeDocument/2006/relationships" xmlns:p14="http://schemas.microsoft.com/office/powerpoint/2010/main" xmlns:p15="http://schemas.microsoft.com/office/powerpoint/2012/main" xmlns:mc="http://schemas.openxmlformats.org/markup-compatibility/2006" type="mediaAndTx" preserve="1">
   <p:cSld name="Blue_Curve">
     <p:spTree>
@@ -986,7 +986,7 @@
         <p:txBody>
           <a:bodyPr/>
           <a:p>
-            <a:fld id="{18D6234B-D1BB-41D2-A0FF-B2515D0A83F6}" type="slidenum">
+            <a:fld id="{2F1916BE-080D-41E8-AE57-6BC854FD6259}" type="slidenum">
               <a:t>&lt;#&gt;</a:t>
             </a:fld>
           </a:p>
@@ -1063,11 +1063,11 @@
             <a:noAutofit/>
           </a:bodyPr>
           <a:p>
-            <a:pPr indent="0">
+            <a:pPr indent="0" algn="ctr">
               <a:buNone/>
             </a:pPr>
             <a:r>
-              <a:rPr b="0" lang="en-US" sz="1800" spc="-1" strike="noStrike">
+              <a:rPr b="0" lang="en-US" sz="4400" spc="-1" strike="noStrike">
                 <a:solidFill>
                   <a:srgbClr val="000000"/>
                 </a:solidFill>
@@ -1075,7 +1075,7 @@
               </a:rPr>
               <a:t>Click to edit the title text format</a:t>
             </a:r>
-            <a:endParaRPr b="0" lang="en-US" sz="1800" spc="-1" strike="noStrike">
+            <a:endParaRPr b="0" lang="en-US" sz="4400" spc="-1" strike="noStrike">
               <a:solidFill>
                 <a:srgbClr val="000000"/>
               </a:solidFill>
@@ -1124,7 +1124,7 @@
               <a:buChar char=""/>
             </a:pPr>
             <a:r>
-              <a:rPr b="0" lang="en-US" sz="1800" spc="-1" strike="noStrike">
+              <a:rPr b="0" lang="en-US" sz="3200" spc="-1" strike="noStrike">
                 <a:solidFill>
                   <a:srgbClr val="000000"/>
                 </a:solidFill>
@@ -1132,7 +1132,7 @@
               </a:rPr>
               <a:t>Click to edit the outline text format</a:t>
             </a:r>
-            <a:endParaRPr b="0" lang="en-US" sz="1800" spc="-1" strike="noStrike">
+            <a:endParaRPr b="0" lang="en-US" sz="3200" spc="-1" strike="noStrike">
               <a:solidFill>
                 <a:srgbClr val="000000"/>
               </a:solidFill>
@@ -1152,7 +1152,7 @@
               <a:buChar char=""/>
             </a:pPr>
             <a:r>
-              <a:rPr b="0" lang="en-US" sz="1800" spc="-1" strike="noStrike">
+              <a:rPr b="0" lang="en-US" sz="2800" spc="-1" strike="noStrike">
                 <a:solidFill>
                   <a:srgbClr val="000000"/>
                 </a:solidFill>
@@ -1160,7 +1160,7 @@
               </a:rPr>
               <a:t>Second Outline Level</a:t>
             </a:r>
-            <a:endParaRPr b="0" lang="en-US" sz="1800" spc="-1" strike="noStrike">
+            <a:endParaRPr b="0" lang="en-US" sz="2800" spc="-1" strike="noStrike">
               <a:solidFill>
                 <a:srgbClr val="000000"/>
               </a:solidFill>
@@ -1180,7 +1180,7 @@
               <a:buChar char=""/>
             </a:pPr>
             <a:r>
-              <a:rPr b="0" lang="en-US" sz="1800" spc="-1" strike="noStrike">
+              <a:rPr b="0" lang="en-US" sz="2400" spc="-1" strike="noStrike">
                 <a:solidFill>
                   <a:srgbClr val="000000"/>
                 </a:solidFill>
@@ -1188,7 +1188,7 @@
               </a:rPr>
               <a:t>Third Outline Level</a:t>
             </a:r>
-            <a:endParaRPr b="0" lang="en-US" sz="1800" spc="-1" strike="noStrike">
+            <a:endParaRPr b="0" lang="en-US" sz="2400" spc="-1" strike="noStrike">
               <a:solidFill>
                 <a:srgbClr val="000000"/>
               </a:solidFill>
@@ -1208,7 +1208,7 @@
               <a:buChar char=""/>
             </a:pPr>
             <a:r>
-              <a:rPr b="0" lang="en-US" sz="1800" spc="-1" strike="noStrike">
+              <a:rPr b="0" lang="en-US" sz="2000" spc="-1" strike="noStrike">
                 <a:solidFill>
                   <a:srgbClr val="000000"/>
                 </a:solidFill>
@@ -1216,7 +1216,7 @@
               </a:rPr>
               <a:t>Fourth Outline Level</a:t>
             </a:r>
-            <a:endParaRPr b="0" lang="en-US" sz="1800" spc="-1" strike="noStrike">
+            <a:endParaRPr b="0" lang="en-US" sz="2000" spc="-1" strike="noStrike">
               <a:solidFill>
                 <a:srgbClr val="000000"/>
               </a:solidFill>
@@ -1236,7 +1236,7 @@
               <a:buChar char=""/>
             </a:pPr>
             <a:r>
-              <a:rPr b="0" lang="en-US" sz="1800" spc="-1" strike="noStrike">
+              <a:rPr b="0" lang="en-US" sz="2000" spc="-1" strike="noStrike">
                 <a:solidFill>
                   <a:srgbClr val="000000"/>
                 </a:solidFill>
@@ -1244,7 +1244,7 @@
               </a:rPr>
               <a:t>Fifth Outline Level</a:t>
             </a:r>
-            <a:endParaRPr b="0" lang="en-US" sz="1800" spc="-1" strike="noStrike">
+            <a:endParaRPr b="0" lang="en-US" sz="2000" spc="-1" strike="noStrike">
               <a:solidFill>
                 <a:srgbClr val="000000"/>
               </a:solidFill>
@@ -1264,7 +1264,7 @@
               <a:buChar char=""/>
             </a:pPr>
             <a:r>
-              <a:rPr b="0" lang="en-US" sz="1800" spc="-1" strike="noStrike">
+              <a:rPr b="0" lang="en-US" sz="2000" spc="-1" strike="noStrike">
                 <a:solidFill>
                   <a:srgbClr val="000000"/>
                 </a:solidFill>
@@ -1272,7 +1272,7 @@
               </a:rPr>
               <a:t>Sixth Outline Level</a:t>
             </a:r>
-            <a:endParaRPr b="0" lang="en-US" sz="1800" spc="-1" strike="noStrike">
+            <a:endParaRPr b="0" lang="en-US" sz="2000" spc="-1" strike="noStrike">
               <a:solidFill>
                 <a:srgbClr val="000000"/>
               </a:solidFill>
@@ -1292,7 +1292,7 @@
               <a:buChar char=""/>
             </a:pPr>
             <a:r>
-              <a:rPr b="0" lang="en-US" sz="1800" spc="-1" strike="noStrike">
+              <a:rPr b="0" lang="en-US" sz="2000" spc="-1" strike="noStrike">
                 <a:solidFill>
                   <a:srgbClr val="000000"/>
                 </a:solidFill>
@@ -1300,7 +1300,7 @@
               </a:rPr>
               <a:t>Seventh Outline Level</a:t>
             </a:r>
-            <a:endParaRPr b="0" lang="en-US" sz="1800" spc="-1" strike="noStrike">
+            <a:endParaRPr b="0" lang="en-US" sz="2000" spc="-1" strike="noStrike">
               <a:solidFill>
                 <a:srgbClr val="000000"/>
               </a:solidFill>
@@ -1435,7 +1435,7 @@
                 <a:tab algn="l" pos="0"/>
               </a:tabLst>
             </a:pPr>
-            <a:fld id="{0799722B-4FFC-4FA6-A8DB-74FAF7C7FDA3}" type="slidenum">
+            <a:fld id="{62DC722B-BAA3-44EE-8864-201A3A1448AA}" type="slidenum">
               <a:rPr b="0" lang="en-US" sz="1400" spc="-1" strike="noStrike">
                 <a:solidFill>
                   <a:srgbClr val="000000"/>
@@ -1665,7 +1665,7 @@
                 <a:tab algn="l" pos="0"/>
               </a:tabLst>
             </a:pPr>
-            <a:fld id="{7525B438-336F-47F0-A5BC-96262295B10D}" type="slidenum">
+            <a:fld id="{112C657A-2BBB-4601-9A31-D6BC40BD8D61}" type="slidenum">
               <a:rPr b="0" lang="en-US" sz="1400" spc="-1" strike="noStrike">
                 <a:solidFill>
                   <a:srgbClr val="000000"/>
@@ -2045,7 +2045,7 @@
       </p:grpSpPr>
       <p:sp>
         <p:nvSpPr>
-          <p:cNvPr id="12" name="PlaceHolder 1"/>
+          <p:cNvPr id="14" name="PlaceHolder 1"/>
           <p:cNvSpPr>
             <a:spLocks noGrp="1"/>
           </p:cNvSpPr>
@@ -2071,11 +2071,11 @@
             <a:noAutofit/>
           </a:bodyPr>
           <a:p>
-            <a:pPr indent="0">
+            <a:pPr indent="0" algn="ctr">
               <a:buNone/>
             </a:pPr>
             <a:r>
-              <a:rPr b="0" lang="en-US" sz="1800" spc="-1" strike="noStrike">
+              <a:rPr b="0" lang="en-US" sz="4400" spc="-1" strike="noStrike">
                 <a:solidFill>
                   <a:srgbClr val="000000"/>
                 </a:solidFill>
@@ -2083,18 +2083,18 @@
               </a:rPr>
               <a:t>Click to edit the title text format</a:t>
             </a:r>
-            <a:endParaRPr b="0" lang="en-US" sz="1800" spc="-1" strike="noStrike">
-              <a:solidFill>
-                <a:srgbClr val="000000"/>
-              </a:solidFill>
-              <a:latin typeface="Arial"/>
-            </a:endParaRPr>
-          </a:p>
-        </p:txBody>
-      </p:sp>
-      <p:sp>
-        <p:nvSpPr>
-          <p:cNvPr id="13" name="PlaceHolder 2"/>
+            <a:endParaRPr b="0" lang="en-US" sz="4400" spc="-1" strike="noStrike">
+              <a:solidFill>
+                <a:srgbClr val="000000"/>
+              </a:solidFill>
+              <a:latin typeface="Arial"/>
+            </a:endParaRPr>
+          </a:p>
+        </p:txBody>
+      </p:sp>
+      <p:sp>
+        <p:nvSpPr>
+          <p:cNvPr id="15" name="PlaceHolder 2"/>
           <p:cNvSpPr>
             <a:spLocks noGrp="1"/>
           </p:cNvSpPr>
@@ -2166,7 +2166,7 @@
       </p:sp>
       <p:sp>
         <p:nvSpPr>
-          <p:cNvPr id="14" name="PlaceHolder 3"/>
+          <p:cNvPr id="16" name="PlaceHolder 3"/>
           <p:cNvSpPr>
             <a:spLocks noGrp="1"/>
           </p:cNvSpPr>
@@ -2218,7 +2218,7 @@
                 <a:tab algn="l" pos="0"/>
               </a:tabLst>
             </a:pPr>
-            <a:fld id="{2D9A8996-EF8A-4AE3-90E1-5C6A355B194D}" type="slidenum">
+            <a:fld id="{68FE0EB1-D47A-42A9-AA41-735AFFDACCFE}" type="slidenum">
               <a:rPr b="0" lang="en-US" sz="1400" spc="-1" strike="noStrike">
                 <a:solidFill>
                   <a:srgbClr val="000000"/>
@@ -2238,7 +2238,7 @@
       </p:sp>
       <p:sp>
         <p:nvSpPr>
-          <p:cNvPr id="15" name="PlaceHolder 4"/>
+          <p:cNvPr id="17" name="PlaceHolder 4"/>
           <p:cNvSpPr>
             <a:spLocks noGrp="1"/>
           </p:cNvSpPr>
@@ -2298,7 +2298,7 @@
       </p:sp>
       <p:sp>
         <p:nvSpPr>
-          <p:cNvPr id="16" name="PlaceHolder 5"/>
+          <p:cNvPr id="18" name="PlaceHolder 5"/>
           <p:cNvSpPr>
             <a:spLocks noGrp="1"/>
           </p:cNvSpPr>
@@ -2526,7 +2526,6 @@
   <p:clrMap bg1="lt1" bg2="lt2" tx1="dk1" tx2="dk2" accent1="accent1" accent2="accent2" accent3="accent3" accent4="accent4" accent5="accent5" accent6="accent6" hlink="hlink" folHlink="folHlink"/>
   <p:sldLayoutIdLst>
     <p:sldLayoutId id="2147483653" r:id="rId2"/>
-    <p:sldLayoutId id="2147483654" r:id="rId3"/>
   </p:sldLayoutIdLst>
 </p:sldMaster>
 </file>
@@ -2550,7 +2549,7 @@
       </p:grpSpPr>
       <p:sp>
         <p:nvSpPr>
-          <p:cNvPr id="19" name=""/>
+          <p:cNvPr id="21" name=""/>
           <p:cNvSpPr/>
           <p:nvPr/>
         </p:nvSpPr>
@@ -2601,7 +2600,7 @@
       </p:sp>
       <p:sp>
         <p:nvSpPr>
-          <p:cNvPr id="20" name="PlaceHolder 1"/>
+          <p:cNvPr id="22" name="PlaceHolder 1"/>
           <p:cNvSpPr>
             <a:spLocks noGrp="1"/>
           </p:cNvSpPr>
@@ -2672,7 +2671,7 @@
       </p:sp>
       <p:sp>
         <p:nvSpPr>
-          <p:cNvPr id="21" name="PlaceHolder 2"/>
+          <p:cNvPr id="23" name="PlaceHolder 2"/>
           <p:cNvSpPr>
             <a:spLocks noGrp="1"/>
           </p:cNvSpPr>
@@ -2743,7 +2742,7 @@
       </p:sp>
       <p:sp>
         <p:nvSpPr>
-          <p:cNvPr id="22" name="PlaceHolder 3"/>
+          <p:cNvPr id="24" name="PlaceHolder 3"/>
           <p:cNvSpPr>
             <a:spLocks noGrp="1"/>
           </p:cNvSpPr>
@@ -2785,7 +2784,7 @@
             <a:pPr indent="0" algn="r">
               <a:buNone/>
             </a:pPr>
-            <a:fld id="{6E910737-A600-4087-BA9A-C25C2A1800E4}" type="slidenum">
+            <a:fld id="{8F33DBD0-7391-46B5-A58E-C4842B65216A}" type="slidenum">
               <a:rPr b="0" lang="en-US" sz="2400" spc="-1" strike="noStrike">
                 <a:solidFill>
                   <a:srgbClr val="dbf5f9"/>
@@ -2814,7 +2813,7 @@
       </p:sp>
       <p:sp>
         <p:nvSpPr>
-          <p:cNvPr id="23" name="PlaceHolder 4"/>
+          <p:cNvPr id="25" name="PlaceHolder 4"/>
           <p:cNvSpPr>
             <a:spLocks noGrp="1"/>
           </p:cNvSpPr>
@@ -2863,13 +2862,9 @@
       </p:sp>
       <p:sp>
         <p:nvSpPr>
-          <p:cNvPr id="24" name="PlaceHolder 5"/>
-          <p:cNvSpPr>
-            <a:spLocks noGrp="1"/>
-          </p:cNvSpPr>
-          <p:nvPr>
-            <p:ph type="body"/>
-          </p:nvPr>
+          <p:cNvPr id="26" name=""/>
+          <p:cNvSpPr txBox="1"/>
+          <p:nvPr/>
         </p:nvSpPr>
         <p:spPr>
           <a:xfrm>
@@ -2879,18 +2874,51 @@
           <a:prstGeom prst="rect">
             <a:avLst/>
           </a:prstGeom>
-          <a:solidFill>
-            <a:srgbClr val="729fcf"/>
-          </a:solidFill>
+          <a:noFill/>
           <a:ln w="0">
-            <a:solidFill>
-              <a:srgbClr val="3465a4"/>
-            </a:solidFill>
+            <a:noFill/>
           </a:ln>
         </p:spPr>
         <p:txBody>
+          <a:bodyPr lIns="90000" rIns="90000" tIns="45000" bIns="45000" anchor="t">
+            <a:noAutofit/>
+          </a:bodyPr>
+          <a:p>
+            <a:endParaRPr b="0" lang="en-US" sz="1800" spc="-1" strike="noStrike">
+              <a:solidFill>
+                <a:srgbClr val="000000"/>
+              </a:solidFill>
+              <a:latin typeface="Arial"/>
+            </a:endParaRPr>
+          </a:p>
+        </p:txBody>
+      </p:sp>
+      <p:sp>
+        <p:nvSpPr>
+          <p:cNvPr id="27" name="PlaceHolder 5"/>
+          <p:cNvSpPr>
+            <a:spLocks noGrp="1"/>
+          </p:cNvSpPr>
+          <p:nvPr>
+            <p:ph type="body"/>
+          </p:nvPr>
+        </p:nvSpPr>
+        <p:spPr>
+          <a:xfrm>
+            <a:off x="504000" y="1326600"/>
+            <a:ext cx="9072000" cy="3288600"/>
+          </a:xfrm>
+          <a:prstGeom prst="rect">
+            <a:avLst/>
+          </a:prstGeom>
+          <a:noFill/>
+          <a:ln w="0">
+            <a:noFill/>
+          </a:ln>
+        </p:spPr>
+        <p:txBody>
           <a:bodyPr lIns="0" rIns="0" tIns="0" bIns="0" anchor="t">
-            <a:noAutofit/>
+            <a:normAutofit/>
           </a:bodyPr>
           <a:p>
             <a:pPr marL="432000" indent="-324000">
@@ -3094,7 +3122,7 @@
   </p:cSld>
   <p:clrMap bg1="lt1" bg2="lt2" tx1="dk1" tx2="dk2" accent1="accent1" accent2="accent2" accent3="accent3" accent4="accent4" accent5="accent5" accent6="accent6" hlink="hlink" folHlink="folHlink"/>
   <p:sldLayoutIdLst>
-    <p:sldLayoutId id="2147483656" r:id="rId2"/>
+    <p:sldLayoutId id="2147483655" r:id="rId2"/>
   </p:sldLayoutIdLst>
 </p:sldMaster>
 </file>
@@ -3118,7 +3146,7 @@
       </p:grpSpPr>
       <p:sp>
         <p:nvSpPr>
-          <p:cNvPr id="27" name=""/>
+          <p:cNvPr id="30" name=""/>
           <p:cNvSpPr/>
           <p:nvPr/>
         </p:nvSpPr>
@@ -3550,7 +3578,7 @@
       </p:sp>
       <p:sp>
         <p:nvSpPr>
-          <p:cNvPr id="28" name="PlaceHolder 1"/>
+          <p:cNvPr id="31" name="PlaceHolder 1"/>
           <p:cNvSpPr>
             <a:spLocks noGrp="1"/>
           </p:cNvSpPr>
@@ -3599,13 +3627,9 @@
       </p:sp>
       <p:sp>
         <p:nvSpPr>
-          <p:cNvPr id="29" name="PlaceHolder 2"/>
-          <p:cNvSpPr>
-            <a:spLocks noGrp="1"/>
-          </p:cNvSpPr>
-          <p:nvPr>
-            <p:ph type="body"/>
-          </p:nvPr>
+          <p:cNvPr id="32" name=""/>
+          <p:cNvSpPr txBox="1"/>
+          <p:nvPr/>
         </p:nvSpPr>
         <p:spPr>
           <a:xfrm>
@@ -3615,220 +3639,28 @@
           <a:prstGeom prst="rect">
             <a:avLst/>
           </a:prstGeom>
-          <a:solidFill>
-            <a:srgbClr val="729fcf"/>
-          </a:solidFill>
+          <a:noFill/>
           <a:ln w="0">
-            <a:solidFill>
-              <a:srgbClr val="3465a4"/>
-            </a:solidFill>
+            <a:noFill/>
           </a:ln>
         </p:spPr>
         <p:txBody>
-          <a:bodyPr lIns="0" rIns="0" tIns="0" bIns="0" anchor="t">
+          <a:bodyPr lIns="90000" rIns="90000" tIns="45000" bIns="45000" anchor="t">
             <a:noAutofit/>
           </a:bodyPr>
           <a:p>
-            <a:pPr marL="432000" indent="-324000">
-              <a:spcBef>
-                <a:spcPts val="1060"/>
-              </a:spcBef>
-              <a:buClr>
-                <a:srgbClr val="77caee"/>
-              </a:buClr>
-              <a:buSzPct val="45000"/>
-              <a:buFont typeface="Wingdings" charset="2"/>
-              <a:buChar char=""/>
-            </a:pPr>
-            <a:r>
-              <a:rPr b="0" lang="en-US" sz="2400" spc="-1" strike="noStrike">
-                <a:solidFill>
-                  <a:srgbClr val="009bdd"/>
-                </a:solidFill>
-                <a:latin typeface="Arial"/>
-              </a:rPr>
-              <a:t>Click to edit the outline text format</a:t>
-            </a:r>
-            <a:endParaRPr b="0" lang="en-US" sz="2400" spc="-1" strike="noStrike">
-              <a:solidFill>
-                <a:srgbClr val="009bdd"/>
-              </a:solidFill>
-              <a:latin typeface="Arial"/>
-            </a:endParaRPr>
-          </a:p>
-          <a:p>
-            <a:pPr lvl="1" marL="864000" indent="-324000">
-              <a:spcBef>
-                <a:spcPts val="850"/>
-              </a:spcBef>
-              <a:buClr>
-                <a:srgbClr val="77caee"/>
-              </a:buClr>
-              <a:buSzPct val="45000"/>
-              <a:buFont typeface="Wingdings" charset="2"/>
-              <a:buChar char=""/>
-            </a:pPr>
-            <a:r>
-              <a:rPr b="0" lang="en-US" sz="2100" spc="-1" strike="noStrike">
-                <a:solidFill>
-                  <a:srgbClr val="009bdd"/>
-                </a:solidFill>
-                <a:latin typeface="Arial"/>
-              </a:rPr>
-              <a:t>Second Outline Level</a:t>
-            </a:r>
-            <a:endParaRPr b="0" lang="en-US" sz="2100" spc="-1" strike="noStrike">
-              <a:solidFill>
-                <a:srgbClr val="009bdd"/>
-              </a:solidFill>
-              <a:latin typeface="Arial"/>
-            </a:endParaRPr>
-          </a:p>
-          <a:p>
-            <a:pPr lvl="2" marL="1296000" indent="-288000">
-              <a:spcBef>
-                <a:spcPts val="635"/>
-              </a:spcBef>
-              <a:buClr>
-                <a:srgbClr val="77caee"/>
-              </a:buClr>
-              <a:buSzPct val="45000"/>
-              <a:buFont typeface="Wingdings" charset="2"/>
-              <a:buChar char=""/>
-            </a:pPr>
-            <a:r>
-              <a:rPr b="0" lang="en-US" sz="1800" spc="-1" strike="noStrike">
-                <a:solidFill>
-                  <a:srgbClr val="009bdd"/>
-                </a:solidFill>
-                <a:latin typeface="Arial"/>
-              </a:rPr>
-              <a:t>Third Outline Level</a:t>
-            </a:r>
             <a:endParaRPr b="0" lang="en-US" sz="1800" spc="-1" strike="noStrike">
               <a:solidFill>
-                <a:srgbClr val="009bdd"/>
-              </a:solidFill>
-              <a:latin typeface="Arial"/>
-            </a:endParaRPr>
-          </a:p>
-          <a:p>
-            <a:pPr lvl="3" marL="1728000" indent="-216000">
-              <a:spcBef>
-                <a:spcPts val="422"/>
-              </a:spcBef>
-              <a:buClr>
-                <a:srgbClr val="77caee"/>
-              </a:buClr>
-              <a:buSzPct val="45000"/>
-              <a:buFont typeface="Wingdings" charset="2"/>
-              <a:buChar char=""/>
-            </a:pPr>
-            <a:r>
-              <a:rPr b="0" lang="en-US" sz="1500" spc="-1" strike="noStrike">
-                <a:solidFill>
-                  <a:srgbClr val="009bdd"/>
-                </a:solidFill>
-                <a:latin typeface="Arial"/>
-              </a:rPr>
-              <a:t>Fourth Outline Level</a:t>
-            </a:r>
-            <a:endParaRPr b="0" lang="en-US" sz="1500" spc="-1" strike="noStrike">
-              <a:solidFill>
-                <a:srgbClr val="009bdd"/>
-              </a:solidFill>
-              <a:latin typeface="Arial"/>
-            </a:endParaRPr>
-          </a:p>
-          <a:p>
-            <a:pPr lvl="4" marL="2160000" indent="-216000">
-              <a:spcBef>
-                <a:spcPts val="210"/>
-              </a:spcBef>
-              <a:buClr>
-                <a:srgbClr val="77caee"/>
-              </a:buClr>
-              <a:buSzPct val="45000"/>
-              <a:buFont typeface="Wingdings" charset="2"/>
-              <a:buChar char=""/>
-            </a:pPr>
-            <a:r>
-              <a:rPr b="0" lang="en-US" sz="1500" spc="-1" strike="noStrike">
-                <a:solidFill>
-                  <a:srgbClr val="009bdd"/>
-                </a:solidFill>
-                <a:latin typeface="Arial"/>
-              </a:rPr>
-              <a:t>Fifth Outline Level</a:t>
-            </a:r>
-            <a:endParaRPr b="0" lang="en-US" sz="1500" spc="-1" strike="noStrike">
-              <a:solidFill>
-                <a:srgbClr val="009bdd"/>
-              </a:solidFill>
-              <a:latin typeface="Arial"/>
-            </a:endParaRPr>
-          </a:p>
-          <a:p>
-            <a:pPr lvl="5" marL="2592000" indent="-216000">
-              <a:spcBef>
-                <a:spcPts val="210"/>
-              </a:spcBef>
-              <a:buClr>
-                <a:srgbClr val="77caee"/>
-              </a:buClr>
-              <a:buSzPct val="45000"/>
-              <a:buFont typeface="Wingdings" charset="2"/>
-              <a:buChar char=""/>
-            </a:pPr>
-            <a:r>
-              <a:rPr b="0" lang="en-US" sz="1500" spc="-1" strike="noStrike">
-                <a:solidFill>
-                  <a:srgbClr val="009bdd"/>
-                </a:solidFill>
-                <a:latin typeface="Arial"/>
-              </a:rPr>
-              <a:t>Sixth Outline Level</a:t>
-            </a:r>
-            <a:endParaRPr b="0" lang="en-US" sz="1500" spc="-1" strike="noStrike">
-              <a:solidFill>
-                <a:srgbClr val="009bdd"/>
-              </a:solidFill>
-              <a:latin typeface="Arial"/>
-            </a:endParaRPr>
-          </a:p>
-          <a:p>
-            <a:pPr lvl="6" marL="3024000" indent="-216000">
-              <a:spcBef>
-                <a:spcPts val="210"/>
-              </a:spcBef>
-              <a:buClr>
-                <a:srgbClr val="77caee"/>
-              </a:buClr>
-              <a:buSzPct val="45000"/>
-              <a:buFont typeface="Wingdings" charset="2"/>
-              <a:buChar char=""/>
-            </a:pPr>
-            <a:r>
-              <a:rPr b="0" lang="en-US" sz="1500" spc="-1" strike="noStrike">
-                <a:solidFill>
-                  <a:srgbClr val="009bdd"/>
-                </a:solidFill>
-                <a:latin typeface="Arial"/>
-              </a:rPr>
-              <a:t>Seventh Outline Level</a:t>
-            </a:r>
-            <a:endParaRPr b="0" lang="en-US" sz="1500" spc="-1" strike="noStrike">
-              <a:solidFill>
-                <a:srgbClr val="009bdd"/>
-              </a:solidFill>
-              <a:latin typeface="Arial"/>
-            </a:endParaRPr>
-          </a:p>
-        </p:txBody>
-      </p:sp>
-      <p:sp>
-        <p:nvSpPr>
-          <p:cNvPr id="30" name="PlaceHolder 3"/>
+                <a:srgbClr val="000000"/>
+              </a:solidFill>
+              <a:latin typeface="Arial"/>
+            </a:endParaRPr>
+          </a:p>
+        </p:txBody>
+      </p:sp>
+      <p:sp>
+        <p:nvSpPr>
+          <p:cNvPr id="33" name="PlaceHolder 2"/>
           <p:cNvSpPr>
             <a:spLocks noGrp="1"/>
           </p:cNvSpPr>
@@ -3888,7 +3720,7 @@
       </p:sp>
       <p:sp>
         <p:nvSpPr>
-          <p:cNvPr id="31" name="PlaceHolder 4"/>
+          <p:cNvPr id="34" name="PlaceHolder 3"/>
           <p:cNvSpPr>
             <a:spLocks noGrp="1"/>
           </p:cNvSpPr>
@@ -3948,7 +3780,7 @@
       </p:sp>
       <p:sp>
         <p:nvSpPr>
-          <p:cNvPr id="32" name="PlaceHolder 5"/>
+          <p:cNvPr id="35" name="PlaceHolder 4"/>
           <p:cNvSpPr>
             <a:spLocks noGrp="1"/>
           </p:cNvSpPr>
@@ -3988,7 +3820,7 @@
             <a:pPr indent="0" algn="r">
               <a:buNone/>
             </a:pPr>
-            <a:fld id="{8B944083-FA02-436D-A156-4E5746065C5C}" type="slidenum">
+            <a:fld id="{3D6F5076-B940-474A-AF5B-4C45FB27387D}" type="slidenum">
               <a:rPr b="0" lang="en-US" sz="1400" spc="-1" strike="noStrike">
                 <a:solidFill>
                   <a:srgbClr val="ffffff"/>
@@ -4002,6 +3834,231 @@
                 <a:srgbClr val="ffffff"/>
               </a:solidFill>
               <a:latin typeface="Times New Roman"/>
+            </a:endParaRPr>
+          </a:p>
+        </p:txBody>
+      </p:sp>
+      <p:sp>
+        <p:nvSpPr>
+          <p:cNvPr id="36" name="PlaceHolder 5"/>
+          <p:cNvSpPr>
+            <a:spLocks noGrp="1"/>
+          </p:cNvSpPr>
+          <p:nvPr>
+            <p:ph type="body"/>
+          </p:nvPr>
+        </p:nvSpPr>
+        <p:spPr>
+          <a:xfrm>
+            <a:off x="504000" y="1326600"/>
+            <a:ext cx="9072000" cy="3288600"/>
+          </a:xfrm>
+          <a:prstGeom prst="rect">
+            <a:avLst/>
+          </a:prstGeom>
+          <a:noFill/>
+          <a:ln w="0">
+            <a:noFill/>
+          </a:ln>
+        </p:spPr>
+        <p:txBody>
+          <a:bodyPr lIns="0" rIns="0" tIns="0" bIns="0" anchor="t">
+            <a:normAutofit/>
+          </a:bodyPr>
+          <a:p>
+            <a:pPr marL="432000" indent="-324000">
+              <a:spcBef>
+                <a:spcPts val="1060"/>
+              </a:spcBef>
+              <a:buClr>
+                <a:srgbClr val="77caee"/>
+              </a:buClr>
+              <a:buSzPct val="45000"/>
+              <a:buFont typeface="Wingdings" charset="2"/>
+              <a:buChar char=""/>
+            </a:pPr>
+            <a:r>
+              <a:rPr b="0" lang="en-US" sz="2400" spc="-1" strike="noStrike">
+                <a:solidFill>
+                  <a:srgbClr val="009bdd"/>
+                </a:solidFill>
+                <a:latin typeface="Arial"/>
+              </a:rPr>
+              <a:t>Click to edit the outline text format</a:t>
+            </a:r>
+            <a:endParaRPr b="0" lang="en-US" sz="2400" spc="-1" strike="noStrike">
+              <a:solidFill>
+                <a:srgbClr val="009bdd"/>
+              </a:solidFill>
+              <a:latin typeface="Arial"/>
+            </a:endParaRPr>
+          </a:p>
+          <a:p>
+            <a:pPr lvl="1" marL="864000" indent="-324000">
+              <a:spcBef>
+                <a:spcPts val="850"/>
+              </a:spcBef>
+              <a:buClr>
+                <a:srgbClr val="77caee"/>
+              </a:buClr>
+              <a:buSzPct val="45000"/>
+              <a:buFont typeface="Wingdings" charset="2"/>
+              <a:buChar char=""/>
+            </a:pPr>
+            <a:r>
+              <a:rPr b="0" lang="en-US" sz="2100" spc="-1" strike="noStrike">
+                <a:solidFill>
+                  <a:srgbClr val="009bdd"/>
+                </a:solidFill>
+                <a:latin typeface="Arial"/>
+              </a:rPr>
+              <a:t>Second Outline Level</a:t>
+            </a:r>
+            <a:endParaRPr b="0" lang="en-US" sz="2100" spc="-1" strike="noStrike">
+              <a:solidFill>
+                <a:srgbClr val="009bdd"/>
+              </a:solidFill>
+              <a:latin typeface="Arial"/>
+            </a:endParaRPr>
+          </a:p>
+          <a:p>
+            <a:pPr lvl="2" marL="1296000" indent="-288000">
+              <a:spcBef>
+                <a:spcPts val="635"/>
+              </a:spcBef>
+              <a:buClr>
+                <a:srgbClr val="77caee"/>
+              </a:buClr>
+              <a:buSzPct val="45000"/>
+              <a:buFont typeface="Wingdings" charset="2"/>
+              <a:buChar char=""/>
+            </a:pPr>
+            <a:r>
+              <a:rPr b="0" lang="en-US" sz="1800" spc="-1" strike="noStrike">
+                <a:solidFill>
+                  <a:srgbClr val="009bdd"/>
+                </a:solidFill>
+                <a:latin typeface="Arial"/>
+              </a:rPr>
+              <a:t>Third Outline Level</a:t>
+            </a:r>
+            <a:endParaRPr b="0" lang="en-US" sz="1800" spc="-1" strike="noStrike">
+              <a:solidFill>
+                <a:srgbClr val="009bdd"/>
+              </a:solidFill>
+              <a:latin typeface="Arial"/>
+            </a:endParaRPr>
+          </a:p>
+          <a:p>
+            <a:pPr lvl="3" marL="1728000" indent="-216000">
+              <a:spcBef>
+                <a:spcPts val="422"/>
+              </a:spcBef>
+              <a:buClr>
+                <a:srgbClr val="77caee"/>
+              </a:buClr>
+              <a:buSzPct val="45000"/>
+              <a:buFont typeface="Wingdings" charset="2"/>
+              <a:buChar char=""/>
+            </a:pPr>
+            <a:r>
+              <a:rPr b="0" lang="en-US" sz="1500" spc="-1" strike="noStrike">
+                <a:solidFill>
+                  <a:srgbClr val="009bdd"/>
+                </a:solidFill>
+                <a:latin typeface="Arial"/>
+              </a:rPr>
+              <a:t>Fourth Outline Level</a:t>
+            </a:r>
+            <a:endParaRPr b="0" lang="en-US" sz="1500" spc="-1" strike="noStrike">
+              <a:solidFill>
+                <a:srgbClr val="009bdd"/>
+              </a:solidFill>
+              <a:latin typeface="Arial"/>
+            </a:endParaRPr>
+          </a:p>
+          <a:p>
+            <a:pPr lvl="4" marL="2160000" indent="-216000">
+              <a:spcBef>
+                <a:spcPts val="210"/>
+              </a:spcBef>
+              <a:buClr>
+                <a:srgbClr val="77caee"/>
+              </a:buClr>
+              <a:buSzPct val="45000"/>
+              <a:buFont typeface="Wingdings" charset="2"/>
+              <a:buChar char=""/>
+            </a:pPr>
+            <a:r>
+              <a:rPr b="0" lang="en-US" sz="1500" spc="-1" strike="noStrike">
+                <a:solidFill>
+                  <a:srgbClr val="009bdd"/>
+                </a:solidFill>
+                <a:latin typeface="Arial"/>
+              </a:rPr>
+              <a:t>Fifth Outline Level</a:t>
+            </a:r>
+            <a:endParaRPr b="0" lang="en-US" sz="1500" spc="-1" strike="noStrike">
+              <a:solidFill>
+                <a:srgbClr val="009bdd"/>
+              </a:solidFill>
+              <a:latin typeface="Arial"/>
+            </a:endParaRPr>
+          </a:p>
+          <a:p>
+            <a:pPr lvl="5" marL="2592000" indent="-216000">
+              <a:spcBef>
+                <a:spcPts val="210"/>
+              </a:spcBef>
+              <a:buClr>
+                <a:srgbClr val="77caee"/>
+              </a:buClr>
+              <a:buSzPct val="45000"/>
+              <a:buFont typeface="Wingdings" charset="2"/>
+              <a:buChar char=""/>
+            </a:pPr>
+            <a:r>
+              <a:rPr b="0" lang="en-US" sz="1500" spc="-1" strike="noStrike">
+                <a:solidFill>
+                  <a:srgbClr val="009bdd"/>
+                </a:solidFill>
+                <a:latin typeface="Arial"/>
+              </a:rPr>
+              <a:t>Sixth Outline Level</a:t>
+            </a:r>
+            <a:endParaRPr b="0" lang="en-US" sz="1500" spc="-1" strike="noStrike">
+              <a:solidFill>
+                <a:srgbClr val="009bdd"/>
+              </a:solidFill>
+              <a:latin typeface="Arial"/>
+            </a:endParaRPr>
+          </a:p>
+          <a:p>
+            <a:pPr lvl="6" marL="3024000" indent="-216000">
+              <a:spcBef>
+                <a:spcPts val="210"/>
+              </a:spcBef>
+              <a:buClr>
+                <a:srgbClr val="77caee"/>
+              </a:buClr>
+              <a:buSzPct val="45000"/>
+              <a:buFont typeface="Wingdings" charset="2"/>
+              <a:buChar char=""/>
+            </a:pPr>
+            <a:r>
+              <a:rPr b="0" lang="en-US" sz="1500" spc="-1" strike="noStrike">
+                <a:solidFill>
+                  <a:srgbClr val="009bdd"/>
+                </a:solidFill>
+                <a:latin typeface="Arial"/>
+              </a:rPr>
+              <a:t>Seventh Outline Level</a:t>
+            </a:r>
+            <a:endParaRPr b="0" lang="en-US" sz="1500" spc="-1" strike="noStrike">
+              <a:solidFill>
+                <a:srgbClr val="009bdd"/>
+              </a:solidFill>
+              <a:latin typeface="Arial"/>
             </a:endParaRPr>
           </a:p>
         </p:txBody>
@@ -4010,9 +4067,9 @@
   </p:cSld>
   <p:clrMap bg1="lt1" bg2="lt2" tx1="dk1" tx2="dk2" accent1="accent1" accent2="accent2" accent3="accent3" accent4="accent4" accent5="accent5" accent6="accent6" hlink="hlink" folHlink="folHlink"/>
   <p:sldLayoutIdLst>
-    <p:sldLayoutId id="2147483658" r:id="rId2"/>
-    <p:sldLayoutId id="2147483659" r:id="rId3"/>
-    <p:sldLayoutId id="2147483660" r:id="rId4"/>
+    <p:sldLayoutId id="2147483657" r:id="rId2"/>
+    <p:sldLayoutId id="2147483658" r:id="rId3"/>
+    <p:sldLayoutId id="2147483659" r:id="rId4"/>
   </p:sldLayoutIdLst>
 </p:sldMaster>
 </file>
@@ -4036,7 +4093,7 @@
       </p:grpSpPr>
       <p:sp>
         <p:nvSpPr>
-          <p:cNvPr id="35" name="PlaceHolder 1"/>
+          <p:cNvPr id="39" name="PlaceHolder 1"/>
           <p:cNvSpPr>
             <a:spLocks noGrp="1"/>
           </p:cNvSpPr>
@@ -4143,7 +4200,7 @@
       </p:grpSpPr>
       <p:sp>
         <p:nvSpPr>
-          <p:cNvPr id="36" name="PlaceHolder 1"/>
+          <p:cNvPr id="40" name="PlaceHolder 1"/>
           <p:cNvSpPr>
             <a:spLocks noGrp="1"/>
           </p:cNvSpPr>
@@ -4198,7 +4255,7 @@
       </p:sp>
       <p:sp>
         <p:nvSpPr>
-          <p:cNvPr id="37" name="PlaceHolder 2"/>
+          <p:cNvPr id="41" name="PlaceHolder 2"/>
           <p:cNvSpPr>
             <a:spLocks noGrp="1"/>
           </p:cNvSpPr>
@@ -4350,7 +4407,7 @@
       </p:grpSpPr>
       <p:sp>
         <p:nvSpPr>
-          <p:cNvPr id="38" name="PlaceHolder 1"/>
+          <p:cNvPr id="42" name="PlaceHolder 1"/>
           <p:cNvSpPr>
             <a:spLocks noGrp="1"/>
           </p:cNvSpPr>
@@ -4405,7 +4462,7 @@
       </p:sp>
       <p:sp>
         <p:nvSpPr>
-          <p:cNvPr id="39" name="PlaceHolder 2"/>
+          <p:cNvPr id="43" name="PlaceHolder 2"/>
           <p:cNvSpPr>
             <a:spLocks noGrp="1"/>
           </p:cNvSpPr>
@@ -4574,7 +4631,7 @@
       </p:grpSpPr>
       <p:sp>
         <p:nvSpPr>
-          <p:cNvPr id="40" name="PlaceHolder 1"/>
+          <p:cNvPr id="44" name="PlaceHolder 1"/>
           <p:cNvSpPr>
             <a:spLocks noGrp="1"/>
           </p:cNvSpPr>
@@ -4629,7 +4686,7 @@
       </p:sp>
       <p:sp>
         <p:nvSpPr>
-          <p:cNvPr id="41" name="PlaceHolder 2"/>
+          <p:cNvPr id="45" name="PlaceHolder 2"/>
           <p:cNvSpPr>
             <a:spLocks noGrp="1"/>
           </p:cNvSpPr>
@@ -4781,7 +4838,7 @@
       </p:grpSpPr>
       <p:sp>
         <p:nvSpPr>
-          <p:cNvPr id="42" name="PlaceHolder 1"/>
+          <p:cNvPr id="46" name="PlaceHolder 1"/>
           <p:cNvSpPr>
             <a:spLocks noGrp="1"/>
           </p:cNvSpPr>
@@ -4836,7 +4893,7 @@
       </p:sp>
       <p:sp>
         <p:nvSpPr>
-          <p:cNvPr id="43" name="PlaceHolder 2"/>
+          <p:cNvPr id="47" name="PlaceHolder 2"/>
           <p:cNvSpPr>
             <a:spLocks noGrp="1"/>
           </p:cNvSpPr>
@@ -4923,7 +4980,7 @@
       </p:grpSpPr>
       <p:sp>
         <p:nvSpPr>
-          <p:cNvPr id="44" name="PlaceHolder 1"/>
+          <p:cNvPr id="48" name="PlaceHolder 1"/>
           <p:cNvSpPr>
             <a:spLocks noGrp="1"/>
           </p:cNvSpPr>
@@ -4978,7 +5035,7 @@
       </p:sp>
       <p:sp>
         <p:nvSpPr>
-          <p:cNvPr id="45" name="PlaceHolder 2"/>
+          <p:cNvPr id="49" name="PlaceHolder 2"/>
           <p:cNvSpPr>
             <a:spLocks noGrp="1"/>
           </p:cNvSpPr>
@@ -5130,7 +5187,7 @@
       </p:grpSpPr>
       <p:sp>
         <p:nvSpPr>
-          <p:cNvPr id="46" name="PlaceHolder 1"/>
+          <p:cNvPr id="50" name="PlaceHolder 1"/>
           <p:cNvSpPr>
             <a:spLocks noGrp="1"/>
           </p:cNvSpPr>
